--- a/docs/diagrams/checkLimitSequenceDiagram.pptx
+++ b/docs/diagrams/checkLimitSequenceDiagram.pptx
@@ -261,7 +261,7 @@
           <a:p>
             <a:fld id="{308967D2-17F3-4CFE-A711-ECA42BFFA541}" type="datetimeFigureOut">
               <a:rPr lang="zh-CN" altLang="en-US" smtClean="0"/>
-              <a:t>2018/10/31</a:t>
+              <a:t>2018/11/10</a:t>
             </a:fld>
             <a:endParaRPr lang="zh-CN" altLang="en-US"/>
           </a:p>
@@ -461,7 +461,7 @@
           <a:p>
             <a:fld id="{308967D2-17F3-4CFE-A711-ECA42BFFA541}" type="datetimeFigureOut">
               <a:rPr lang="zh-CN" altLang="en-US" smtClean="0"/>
-              <a:t>2018/10/31</a:t>
+              <a:t>2018/11/10</a:t>
             </a:fld>
             <a:endParaRPr lang="zh-CN" altLang="en-US"/>
           </a:p>
@@ -671,7 +671,7 @@
           <a:p>
             <a:fld id="{308967D2-17F3-4CFE-A711-ECA42BFFA541}" type="datetimeFigureOut">
               <a:rPr lang="zh-CN" altLang="en-US" smtClean="0"/>
-              <a:t>2018/10/31</a:t>
+              <a:t>2018/11/10</a:t>
             </a:fld>
             <a:endParaRPr lang="zh-CN" altLang="en-US"/>
           </a:p>
@@ -871,7 +871,7 @@
           <a:p>
             <a:fld id="{308967D2-17F3-4CFE-A711-ECA42BFFA541}" type="datetimeFigureOut">
               <a:rPr lang="zh-CN" altLang="en-US" smtClean="0"/>
-              <a:t>2018/10/31</a:t>
+              <a:t>2018/11/10</a:t>
             </a:fld>
             <a:endParaRPr lang="zh-CN" altLang="en-US"/>
           </a:p>
@@ -1147,7 +1147,7 @@
           <a:p>
             <a:fld id="{308967D2-17F3-4CFE-A711-ECA42BFFA541}" type="datetimeFigureOut">
               <a:rPr lang="zh-CN" altLang="en-US" smtClean="0"/>
-              <a:t>2018/10/31</a:t>
+              <a:t>2018/11/10</a:t>
             </a:fld>
             <a:endParaRPr lang="zh-CN" altLang="en-US"/>
           </a:p>
@@ -1415,7 +1415,7 @@
           <a:p>
             <a:fld id="{308967D2-17F3-4CFE-A711-ECA42BFFA541}" type="datetimeFigureOut">
               <a:rPr lang="zh-CN" altLang="en-US" smtClean="0"/>
-              <a:t>2018/10/31</a:t>
+              <a:t>2018/11/10</a:t>
             </a:fld>
             <a:endParaRPr lang="zh-CN" altLang="en-US"/>
           </a:p>
@@ -1830,7 +1830,7 @@
           <a:p>
             <a:fld id="{308967D2-17F3-4CFE-A711-ECA42BFFA541}" type="datetimeFigureOut">
               <a:rPr lang="zh-CN" altLang="en-US" smtClean="0"/>
-              <a:t>2018/10/31</a:t>
+              <a:t>2018/11/10</a:t>
             </a:fld>
             <a:endParaRPr lang="zh-CN" altLang="en-US"/>
           </a:p>
@@ -1972,7 +1972,7 @@
           <a:p>
             <a:fld id="{308967D2-17F3-4CFE-A711-ECA42BFFA541}" type="datetimeFigureOut">
               <a:rPr lang="zh-CN" altLang="en-US" smtClean="0"/>
-              <a:t>2018/10/31</a:t>
+              <a:t>2018/11/10</a:t>
             </a:fld>
             <a:endParaRPr lang="zh-CN" altLang="en-US"/>
           </a:p>
@@ -2085,7 +2085,7 @@
           <a:p>
             <a:fld id="{308967D2-17F3-4CFE-A711-ECA42BFFA541}" type="datetimeFigureOut">
               <a:rPr lang="zh-CN" altLang="en-US" smtClean="0"/>
-              <a:t>2018/10/31</a:t>
+              <a:t>2018/11/10</a:t>
             </a:fld>
             <a:endParaRPr lang="zh-CN" altLang="en-US"/>
           </a:p>
@@ -2398,7 +2398,7 @@
           <a:p>
             <a:fld id="{308967D2-17F3-4CFE-A711-ECA42BFFA541}" type="datetimeFigureOut">
               <a:rPr lang="zh-CN" altLang="en-US" smtClean="0"/>
-              <a:t>2018/10/31</a:t>
+              <a:t>2018/11/10</a:t>
             </a:fld>
             <a:endParaRPr lang="zh-CN" altLang="en-US"/>
           </a:p>
@@ -2687,7 +2687,7 @@
           <a:p>
             <a:fld id="{308967D2-17F3-4CFE-A711-ECA42BFFA541}" type="datetimeFigureOut">
               <a:rPr lang="zh-CN" altLang="en-US" smtClean="0"/>
-              <a:t>2018/10/31</a:t>
+              <a:t>2018/11/10</a:t>
             </a:fld>
             <a:endParaRPr lang="zh-CN" altLang="en-US"/>
           </a:p>
@@ -2930,7 +2930,7 @@
           <a:p>
             <a:fld id="{308967D2-17F3-4CFE-A711-ECA42BFFA541}" type="datetimeFigureOut">
               <a:rPr lang="zh-CN" altLang="en-US" smtClean="0"/>
-              <a:t>2018/10/31</a:t>
+              <a:t>2018/11/10</a:t>
             </a:fld>
             <a:endParaRPr lang="zh-CN" altLang="en-US"/>
           </a:p>
@@ -3855,124 +3855,6 @@
       </p:cxnSp>
       <p:sp>
         <p:nvSpPr>
-          <p:cNvPr id="12" name="Rectangle 62">
-            <a:extLst>
-              <a:ext uri="{FF2B5EF4-FFF2-40B4-BE49-F238E27FC236}">
-                <a16:creationId xmlns:a16="http://schemas.microsoft.com/office/drawing/2014/main" id="{929C8269-BA25-4159-AB60-1BC7A3C7AE7B}"/>
-              </a:ext>
-            </a:extLst>
-          </p:cNvPr>
-          <p:cNvSpPr/>
-          <p:nvPr/>
-        </p:nvSpPr>
-        <p:spPr>
-          <a:xfrm>
-            <a:off x="4094153" y="152767"/>
-            <a:ext cx="1274405" cy="467684"/>
-          </a:xfrm>
-          <a:prstGeom prst="rect">
-            <a:avLst/>
-          </a:prstGeom>
-          <a:solidFill>
-            <a:srgbClr val="0070C0"/>
-          </a:solidFill>
-          <a:ln w="19050">
-            <a:solidFill>
-              <a:srgbClr val="0070C0"/>
-            </a:solidFill>
-          </a:ln>
-          <a:effectLst/>
-        </p:spPr>
-        <p:style>
-          <a:lnRef idx="1">
-            <a:schemeClr val="accent2"/>
-          </a:lnRef>
-          <a:fillRef idx="2">
-            <a:schemeClr val="accent2"/>
-          </a:fillRef>
-          <a:effectRef idx="1">
-            <a:schemeClr val="accent2"/>
-          </a:effectRef>
-          <a:fontRef idx="minor">
-            <a:schemeClr val="dk1"/>
-          </a:fontRef>
-        </p:style>
-        <p:txBody>
-          <a:bodyPr rtlCol="0" anchor="ctr"/>
-          <a:lstStyle/>
-          <a:p>
-            <a:pPr algn="ctr"/>
-            <a:r>
-              <a:rPr lang="en-US" sz="1200" dirty="0">
-                <a:solidFill>
-                  <a:schemeClr val="bg1"/>
-                </a:solidFill>
-              </a:rPr>
-              <a:t>:</a:t>
-            </a:r>
-            <a:r>
-              <a:rPr lang="en-US" sz="1200" dirty="0" err="1">
-                <a:solidFill>
-                  <a:schemeClr val="bg1"/>
-                </a:solidFill>
-              </a:rPr>
-              <a:t>checkLimitCommandParser</a:t>
-            </a:r>
-            <a:endParaRPr lang="en-SG" sz="1200" dirty="0">
-              <a:solidFill>
-                <a:schemeClr val="bg1"/>
-              </a:solidFill>
-            </a:endParaRPr>
-          </a:p>
-        </p:txBody>
-      </p:sp>
-      <p:cxnSp>
-        <p:nvCxnSpPr>
-          <p:cNvPr id="13" name="Straight Connector 12">
-            <a:extLst>
-              <a:ext uri="{FF2B5EF4-FFF2-40B4-BE49-F238E27FC236}">
-                <a16:creationId xmlns:a16="http://schemas.microsoft.com/office/drawing/2014/main" id="{00DB6152-E599-4CC4-8823-BFDE16FE80D4}"/>
-              </a:ext>
-            </a:extLst>
-          </p:cNvPr>
-          <p:cNvCxnSpPr>
-            <a:cxnSpLocks/>
-          </p:cNvCxnSpPr>
-          <p:nvPr/>
-        </p:nvCxnSpPr>
-        <p:spPr>
-          <a:xfrm>
-            <a:off x="4737751" y="644270"/>
-            <a:ext cx="7395" cy="1936656"/>
-          </a:xfrm>
-          <a:prstGeom prst="line">
-            <a:avLst/>
-          </a:prstGeom>
-          <a:ln w="19050">
-            <a:solidFill>
-              <a:srgbClr val="0070C0"/>
-            </a:solidFill>
-            <a:prstDash val="sysDash"/>
-          </a:ln>
-          <a:effectLst/>
-        </p:spPr>
-        <p:style>
-          <a:lnRef idx="1">
-            <a:schemeClr val="accent1"/>
-          </a:lnRef>
-          <a:fillRef idx="2">
-            <a:schemeClr val="accent1"/>
-          </a:fillRef>
-          <a:effectRef idx="1">
-            <a:schemeClr val="accent1"/>
-          </a:effectRef>
-          <a:fontRef idx="minor">
-            <a:schemeClr val="dk1"/>
-          </a:fontRef>
-        </p:style>
-      </p:cxnSp>
-      <p:sp>
-        <p:nvSpPr>
           <p:cNvPr id="14" name="Multiplication Sign 13">
             <a:extLst>
               <a:ext uri="{FF2B5EF4-FFF2-40B4-BE49-F238E27FC236}">
@@ -4538,59 +4420,6 @@
           </p:txBody>
         </p:sp>
       </p:grpSp>
-      <p:sp>
-        <p:nvSpPr>
-          <p:cNvPr id="35" name="Rectangle 34">
-            <a:extLst>
-              <a:ext uri="{FF2B5EF4-FFF2-40B4-BE49-F238E27FC236}">
-                <a16:creationId xmlns:a16="http://schemas.microsoft.com/office/drawing/2014/main" id="{D982CDD9-50D4-4005-A30A-8A1B466F68B9}"/>
-              </a:ext>
-            </a:extLst>
-          </p:cNvPr>
-          <p:cNvSpPr/>
-          <p:nvPr/>
-        </p:nvSpPr>
-        <p:spPr>
-          <a:xfrm>
-            <a:off x="4668812" y="1211969"/>
-            <a:ext cx="151867" cy="328798"/>
-          </a:xfrm>
-          <a:prstGeom prst="rect">
-            <a:avLst/>
-          </a:prstGeom>
-          <a:solidFill>
-            <a:srgbClr val="0070C0"/>
-          </a:solidFill>
-          <a:ln>
-            <a:solidFill>
-              <a:srgbClr val="0070C0"/>
-            </a:solidFill>
-          </a:ln>
-          <a:effectLst/>
-        </p:spPr>
-        <p:style>
-          <a:lnRef idx="1">
-            <a:schemeClr val="accent3"/>
-          </a:lnRef>
-          <a:fillRef idx="2">
-            <a:schemeClr val="accent3"/>
-          </a:fillRef>
-          <a:effectRef idx="1">
-            <a:schemeClr val="accent3"/>
-          </a:effectRef>
-          <a:fontRef idx="minor">
-            <a:schemeClr val="dk1"/>
-          </a:fontRef>
-        </p:style>
-        <p:txBody>
-          <a:bodyPr rtlCol="0" anchor="ctr"/>
-          <a:lstStyle/>
-          <a:p>
-            <a:pPr algn="ctr"/>
-            <a:endParaRPr lang="en-SG" sz="1200" dirty="0"/>
-          </a:p>
-        </p:txBody>
-      </p:sp>
       <p:grpSp>
         <p:nvGrpSpPr>
           <p:cNvPr id="36" name="Group 35">
@@ -4605,10 +4434,10 @@
         </p:nvGrpSpPr>
         <p:grpSpPr>
           <a:xfrm>
-            <a:off x="3448501" y="1845519"/>
-            <a:ext cx="1304643" cy="461416"/>
-            <a:chOff x="3028482" y="1730692"/>
-            <a:chExt cx="1304643" cy="461416"/>
+            <a:off x="3448501" y="1849213"/>
+            <a:ext cx="2735800" cy="457722"/>
+            <a:chOff x="3028482" y="1734386"/>
+            <a:chExt cx="2735800" cy="457722"/>
           </a:xfrm>
         </p:grpSpPr>
         <p:cxnSp>
@@ -4626,9 +4455,9 @@
             <p:nvPr/>
           </p:nvCxnSpPr>
           <p:spPr>
-            <a:xfrm flipV="1">
-              <a:off x="3028482" y="1730692"/>
-              <a:ext cx="1259217" cy="3694"/>
+            <a:xfrm>
+              <a:off x="3028482" y="1734386"/>
+              <a:ext cx="2735800" cy="0"/>
             </a:xfrm>
             <a:prstGeom prst="straightConnector1">
               <a:avLst/>
@@ -4670,9 +4499,9 @@
             <p:nvPr/>
           </p:nvCxnSpPr>
           <p:spPr>
-            <a:xfrm flipV="1">
-              <a:off x="3036022" y="2191714"/>
-              <a:ext cx="1297103" cy="394"/>
+            <a:xfrm>
+              <a:off x="3036022" y="2192108"/>
+              <a:ext cx="2728260" cy="0"/>
             </a:xfrm>
             <a:prstGeom prst="straightConnector1">
               <a:avLst/>
@@ -4701,244 +4530,6 @@
             </a:fontRef>
           </p:style>
         </p:cxnSp>
-      </p:grpSp>
-      <p:sp>
-        <p:nvSpPr>
-          <p:cNvPr id="39" name="Rectangle 38">
-            <a:extLst>
-              <a:ext uri="{FF2B5EF4-FFF2-40B4-BE49-F238E27FC236}">
-                <a16:creationId xmlns:a16="http://schemas.microsoft.com/office/drawing/2014/main" id="{F6E50F86-1D51-4498-9A61-70EDB0F718A8}"/>
-              </a:ext>
-            </a:extLst>
-          </p:cNvPr>
-          <p:cNvSpPr/>
-          <p:nvPr/>
-        </p:nvSpPr>
-        <p:spPr>
-          <a:xfrm>
-            <a:off x="4674908" y="1845519"/>
-            <a:ext cx="145597" cy="461022"/>
-          </a:xfrm>
-          <a:prstGeom prst="rect">
-            <a:avLst/>
-          </a:prstGeom>
-          <a:solidFill>
-            <a:srgbClr val="0070C0"/>
-          </a:solidFill>
-          <a:ln>
-            <a:solidFill>
-              <a:srgbClr val="0070C0"/>
-            </a:solidFill>
-          </a:ln>
-          <a:effectLst/>
-        </p:spPr>
-        <p:style>
-          <a:lnRef idx="1">
-            <a:schemeClr val="accent3"/>
-          </a:lnRef>
-          <a:fillRef idx="2">
-            <a:schemeClr val="accent3"/>
-          </a:fillRef>
-          <a:effectRef idx="1">
-            <a:schemeClr val="accent3"/>
-          </a:effectRef>
-          <a:fontRef idx="minor">
-            <a:schemeClr val="dk1"/>
-          </a:fontRef>
-        </p:style>
-        <p:txBody>
-          <a:bodyPr rtlCol="0" anchor="ctr"/>
-          <a:lstStyle/>
-          <a:p>
-            <a:pPr algn="ctr"/>
-            <a:endParaRPr lang="en-SG" sz="1200"/>
-          </a:p>
-        </p:txBody>
-      </p:sp>
-      <p:grpSp>
-        <p:nvGrpSpPr>
-          <p:cNvPr id="40" name="Group 39">
-            <a:extLst>
-              <a:ext uri="{FF2B5EF4-FFF2-40B4-BE49-F238E27FC236}">
-                <a16:creationId xmlns:a16="http://schemas.microsoft.com/office/drawing/2014/main" id="{B7F0C9A6-67D4-428C-9B06-1CD77FF4688E}"/>
-              </a:ext>
-            </a:extLst>
-          </p:cNvPr>
-          <p:cNvGrpSpPr/>
-          <p:nvPr/>
-        </p:nvGrpSpPr>
-        <p:grpSpPr>
-          <a:xfrm>
-            <a:off x="4752927" y="1950600"/>
-            <a:ext cx="1507360" cy="244768"/>
-            <a:chOff x="4752927" y="1976000"/>
-            <a:chExt cx="1507360" cy="244768"/>
-          </a:xfrm>
-        </p:grpSpPr>
-        <p:grpSp>
-          <p:nvGrpSpPr>
-            <p:cNvPr id="41" name="Group 40">
-              <a:extLst>
-                <a:ext uri="{FF2B5EF4-FFF2-40B4-BE49-F238E27FC236}">
-                  <a16:creationId xmlns:a16="http://schemas.microsoft.com/office/drawing/2014/main" id="{7FBA2ECC-5AE2-46E6-ACC6-200A4B17B31E}"/>
-                </a:ext>
-              </a:extLst>
-            </p:cNvPr>
-            <p:cNvGrpSpPr/>
-            <p:nvPr/>
-          </p:nvGrpSpPr>
-          <p:grpSpPr>
-            <a:xfrm>
-              <a:off x="4752927" y="1979333"/>
-              <a:ext cx="1426337" cy="235366"/>
-              <a:chOff x="4463180" y="1891786"/>
-              <a:chExt cx="1426337" cy="235366"/>
-            </a:xfrm>
-          </p:grpSpPr>
-          <p:cxnSp>
-            <p:nvCxnSpPr>
-              <p:cNvPr id="43" name="Straight Arrow Connector 42">
-                <a:extLst>
-                  <a:ext uri="{FF2B5EF4-FFF2-40B4-BE49-F238E27FC236}">
-                    <a16:creationId xmlns:a16="http://schemas.microsoft.com/office/drawing/2014/main" id="{14008A9D-4B1B-4BCB-9476-E78D07A3C747}"/>
-                  </a:ext>
-                </a:extLst>
-              </p:cNvPr>
-              <p:cNvCxnSpPr>
-                <a:cxnSpLocks/>
-              </p:cNvCxnSpPr>
-              <p:nvPr/>
-            </p:nvCxnSpPr>
-            <p:spPr>
-              <a:xfrm>
-                <a:off x="4463180" y="1891786"/>
-                <a:ext cx="1351149" cy="0"/>
-              </a:xfrm>
-              <a:prstGeom prst="straightConnector1">
-                <a:avLst/>
-              </a:prstGeom>
-              <a:ln w="19050">
-                <a:solidFill>
-                  <a:srgbClr val="0070C0"/>
-                </a:solidFill>
-                <a:tailEnd type="arrow"/>
-              </a:ln>
-            </p:spPr>
-            <p:style>
-              <a:lnRef idx="1">
-                <a:schemeClr val="accent1"/>
-              </a:lnRef>
-              <a:fillRef idx="0">
-                <a:schemeClr val="accent1"/>
-              </a:fillRef>
-              <a:effectRef idx="0">
-                <a:schemeClr val="accent1"/>
-              </a:effectRef>
-              <a:fontRef idx="minor">
-                <a:schemeClr val="tx1"/>
-              </a:fontRef>
-            </p:style>
-          </p:cxnSp>
-          <p:cxnSp>
-            <p:nvCxnSpPr>
-              <p:cNvPr id="44" name="Straight Arrow Connector 43">
-                <a:extLst>
-                  <a:ext uri="{FF2B5EF4-FFF2-40B4-BE49-F238E27FC236}">
-                    <a16:creationId xmlns:a16="http://schemas.microsoft.com/office/drawing/2014/main" id="{284DFA18-DE91-4AEF-8E29-65F60CF570E1}"/>
-                  </a:ext>
-                </a:extLst>
-              </p:cNvPr>
-              <p:cNvCxnSpPr>
-                <a:cxnSpLocks/>
-              </p:cNvCxnSpPr>
-              <p:nvPr/>
-            </p:nvCxnSpPr>
-            <p:spPr>
-              <a:xfrm flipV="1">
-                <a:off x="4525747" y="2127150"/>
-                <a:ext cx="1363770" cy="2"/>
-              </a:xfrm>
-              <a:prstGeom prst="straightConnector1">
-                <a:avLst/>
-              </a:prstGeom>
-              <a:ln w="19050">
-                <a:solidFill>
-                  <a:srgbClr val="0070C0"/>
-                </a:solidFill>
-                <a:prstDash val="sysDash"/>
-                <a:headEnd type="arrow" w="med" len="med"/>
-                <a:tailEnd type="none" w="med" len="med"/>
-              </a:ln>
-            </p:spPr>
-            <p:style>
-              <a:lnRef idx="1">
-                <a:schemeClr val="accent1"/>
-              </a:lnRef>
-              <a:fillRef idx="0">
-                <a:schemeClr val="accent1"/>
-              </a:fillRef>
-              <a:effectRef idx="0">
-                <a:schemeClr val="accent1"/>
-              </a:effectRef>
-              <a:fontRef idx="minor">
-                <a:schemeClr val="tx1"/>
-              </a:fontRef>
-            </p:style>
-          </p:cxnSp>
-        </p:grpSp>
-        <p:sp>
-          <p:nvSpPr>
-            <p:cNvPr id="42" name="Rectangle 41">
-              <a:extLst>
-                <a:ext uri="{FF2B5EF4-FFF2-40B4-BE49-F238E27FC236}">
-                  <a16:creationId xmlns:a16="http://schemas.microsoft.com/office/drawing/2014/main" id="{7F508D52-F7BA-430F-9FFF-447E8B8442AA}"/>
-                </a:ext>
-              </a:extLst>
-            </p:cNvPr>
-            <p:cNvSpPr/>
-            <p:nvPr/>
-          </p:nvSpPr>
-          <p:spPr>
-            <a:xfrm>
-              <a:off x="6108400" y="1976000"/>
-              <a:ext cx="151887" cy="244768"/>
-            </a:xfrm>
-            <a:prstGeom prst="rect">
-              <a:avLst/>
-            </a:prstGeom>
-            <a:solidFill>
-              <a:srgbClr val="0070C0"/>
-            </a:solidFill>
-            <a:ln>
-              <a:solidFill>
-                <a:srgbClr val="0070C0"/>
-              </a:solidFill>
-            </a:ln>
-            <a:effectLst/>
-          </p:spPr>
-          <p:style>
-            <a:lnRef idx="1">
-              <a:schemeClr val="accent3"/>
-            </a:lnRef>
-            <a:fillRef idx="2">
-              <a:schemeClr val="accent3"/>
-            </a:fillRef>
-            <a:effectRef idx="1">
-              <a:schemeClr val="accent3"/>
-            </a:effectRef>
-            <a:fontRef idx="minor">
-              <a:schemeClr val="dk1"/>
-            </a:fontRef>
-          </p:style>
-          <p:txBody>
-            <a:bodyPr rtlCol="0" anchor="ctr"/>
-            <a:lstStyle/>
-            <a:p>
-              <a:pPr algn="ctr"/>
-              <a:endParaRPr lang="en-SG" sz="1200" dirty="0"/>
-            </a:p>
-          </p:txBody>
-        </p:sp>
       </p:grpSp>
       <p:cxnSp>
         <p:nvCxnSpPr>
@@ -6448,84 +6039,6 @@
       </p:cxnSp>
       <p:sp>
         <p:nvSpPr>
-          <p:cNvPr id="99" name="TextBox 98">
-            <a:extLst>
-              <a:ext uri="{FF2B5EF4-FFF2-40B4-BE49-F238E27FC236}">
-                <a16:creationId xmlns:a16="http://schemas.microsoft.com/office/drawing/2014/main" id="{8DF69AD8-D832-4033-986A-BAD6DEB639CA}"/>
-              </a:ext>
-            </a:extLst>
-          </p:cNvPr>
-          <p:cNvSpPr txBox="1"/>
-          <p:nvPr/>
-        </p:nvSpPr>
-        <p:spPr>
-          <a:xfrm>
-            <a:off x="3100332" y="1664468"/>
-            <a:ext cx="1899551" cy="553998"/>
-          </a:xfrm>
-          <a:prstGeom prst="rect">
-            <a:avLst/>
-          </a:prstGeom>
-          <a:noFill/>
-        </p:spPr>
-        <p:txBody>
-          <a:bodyPr wrap="square" lIns="0" tIns="0" rIns="0" bIns="0" rtlCol="0">
-            <a:spAutoFit/>
-          </a:bodyPr>
-          <a:lstStyle>
-            <a:defPPr>
-              <a:defRPr lang="en-US"/>
-            </a:defPPr>
-            <a:lvl1pPr algn="r">
-              <a:defRPr sz="1400">
-                <a:solidFill>
-                  <a:srgbClr val="0070C0"/>
-                </a:solidFill>
-              </a:defRPr>
-            </a:lvl1pPr>
-          </a:lstStyle>
-          <a:p>
-            <a:pPr algn="ctr"/>
-            <a:r>
-              <a:rPr lang="en-US" sz="1200" dirty="0"/>
-              <a:t>parse</a:t>
-            </a:r>
-          </a:p>
-          <a:p>
-            <a:pPr algn="ctr"/>
-            <a:r>
-              <a:rPr lang="en-US" sz="1200" dirty="0"/>
-              <a:t>(“</a:t>
-            </a:r>
-            <a:r>
-              <a:rPr lang="en-US" altLang="zh-CN" sz="1200" dirty="0"/>
-              <a:t>d/</a:t>
-            </a:r>
-            <a:r>
-              <a:rPr lang="en-US" altLang="zh-CN" sz="1200" dirty="0" err="1"/>
-              <a:t>dateStart</a:t>
-            </a:r>
-            <a:r>
-              <a:rPr lang="en-US" altLang="zh-CN" sz="1200" dirty="0"/>
-              <a:t> </a:t>
-            </a:r>
-            <a:r>
-              <a:rPr lang="en-US" altLang="zh-CN" sz="1200" dirty="0" err="1"/>
-              <a:t>dateEnd</a:t>
-            </a:r>
-            <a:r>
-              <a:rPr lang="en-US" altLang="zh-CN" sz="1200" dirty="0"/>
-              <a:t> m/money”</a:t>
-            </a:r>
-            <a:r>
-              <a:rPr lang="en-US" sz="1200" dirty="0"/>
-              <a:t>)</a:t>
-            </a:r>
-          </a:p>
-        </p:txBody>
-      </p:sp>
-      <p:sp>
-        <p:nvSpPr>
           <p:cNvPr id="100" name="Multiplication Sign 99">
             <a:extLst>
               <a:ext uri="{FF2B5EF4-FFF2-40B4-BE49-F238E27FC236}">
@@ -6833,58 +6346,6 @@
           <a:p>
             <a:pPr algn="ctr"/>
             <a:endParaRPr lang="en-US"/>
-          </a:p>
-        </p:txBody>
-      </p:sp>
-      <p:sp>
-        <p:nvSpPr>
-          <p:cNvPr id="113" name="TextBox 112">
-            <a:extLst>
-              <a:ext uri="{FF2B5EF4-FFF2-40B4-BE49-F238E27FC236}">
-                <a16:creationId xmlns:a16="http://schemas.microsoft.com/office/drawing/2014/main" id="{037A60B2-198E-46AD-B293-E4769E2E88B4}"/>
-              </a:ext>
-            </a:extLst>
-          </p:cNvPr>
-          <p:cNvSpPr txBox="1"/>
-          <p:nvPr/>
-        </p:nvSpPr>
-        <p:spPr>
-          <a:xfrm>
-            <a:off x="4607810" y="1662330"/>
-            <a:ext cx="1899551" cy="184666"/>
-          </a:xfrm>
-          <a:prstGeom prst="rect">
-            <a:avLst/>
-          </a:prstGeom>
-          <a:noFill/>
-        </p:spPr>
-        <p:txBody>
-          <a:bodyPr wrap="square" lIns="0" tIns="0" rIns="0" bIns="0" rtlCol="0">
-            <a:spAutoFit/>
-          </a:bodyPr>
-          <a:lstStyle>
-            <a:defPPr>
-              <a:defRPr lang="en-US"/>
-            </a:defPPr>
-            <a:lvl1pPr algn="r">
-              <a:defRPr sz="1400">
-                <a:solidFill>
-                  <a:srgbClr val="0070C0"/>
-                </a:solidFill>
-              </a:defRPr>
-            </a:lvl1pPr>
-          </a:lstStyle>
-          <a:p>
-            <a:pPr algn="ctr"/>
-            <a:r>
-              <a:rPr lang="en-SG" sz="1200" dirty="0" err="1"/>
-              <a:t>checkLimitCommand</a:t>
-            </a:r>
-            <a:r>
-              <a:rPr lang="en-SG" sz="1200" dirty="0"/>
-              <a:t>(limit)</a:t>
-            </a:r>
-            <a:endParaRPr lang="en-US" sz="1200" dirty="0"/>
           </a:p>
         </p:txBody>
       </p:sp>
